--- a/RandomForest/RandomForest_Summary.pptx
+++ b/RandomForest/RandomForest_Summary.pptx
@@ -200,7 +200,7 @@
           <a:p>
             <a:fld id="{CFB4488A-D247-2D41-90D3-DCB90C0E61D5}" type="datetimeFigureOut">
               <a:rPr lang="en-US" smtClean="0"/>
-              <a:t>11/7/18</a:t>
+              <a:t>11/10/2018</a:t>
             </a:fld>
             <a:endParaRPr lang="en-US"/>
           </a:p>
@@ -683,7 +683,7 @@
           <a:p>
             <a:fld id="{BB78C881-2F23-FB49-B2FC-47C8C8A978A4}" type="datetime1">
               <a:rPr lang="en-US" smtClean="0"/>
-              <a:t>11/7/18</a:t>
+              <a:t>11/10/2018</a:t>
             </a:fld>
             <a:endParaRPr lang="en-US"/>
           </a:p>
@@ -853,7 +853,7 @@
           <a:p>
             <a:fld id="{742A3786-1656-F94B-AA62-A59F34A122C2}" type="datetime1">
               <a:rPr lang="en-US" smtClean="0"/>
-              <a:t>11/7/18</a:t>
+              <a:t>11/10/2018</a:t>
             </a:fld>
             <a:endParaRPr lang="en-US"/>
           </a:p>
@@ -1033,7 +1033,7 @@
           <a:p>
             <a:fld id="{6E192894-B57F-F74D-AED9-EC976A124455}" type="datetime1">
               <a:rPr lang="en-US" smtClean="0"/>
-              <a:t>11/7/18</a:t>
+              <a:t>11/10/2018</a:t>
             </a:fld>
             <a:endParaRPr lang="en-US"/>
           </a:p>
@@ -1203,7 +1203,7 @@
           <a:p>
             <a:fld id="{659526F1-D5BB-3540-B468-1ED53BB274FD}" type="datetime1">
               <a:rPr lang="en-US" smtClean="0"/>
-              <a:t>11/7/18</a:t>
+              <a:t>11/10/2018</a:t>
             </a:fld>
             <a:endParaRPr lang="en-US"/>
           </a:p>
@@ -1449,7 +1449,7 @@
           <a:p>
             <a:fld id="{4358DB56-3CF9-1D4C-B186-6BDF9AC61CCA}" type="datetime1">
               <a:rPr lang="en-US" smtClean="0"/>
-              <a:t>11/7/18</a:t>
+              <a:t>11/10/2018</a:t>
             </a:fld>
             <a:endParaRPr lang="en-US"/>
           </a:p>
@@ -1681,7 +1681,7 @@
           <a:p>
             <a:fld id="{15185BE4-35C3-5F4F-B6E9-16DF17C0E090}" type="datetime1">
               <a:rPr lang="en-US" smtClean="0"/>
-              <a:t>11/7/18</a:t>
+              <a:t>11/10/2018</a:t>
             </a:fld>
             <a:endParaRPr lang="en-US"/>
           </a:p>
@@ -2048,7 +2048,7 @@
           <a:p>
             <a:fld id="{F5AE6CB9-A87C-4E45-A84F-4304F5CFC88F}" type="datetime1">
               <a:rPr lang="en-US" smtClean="0"/>
-              <a:t>11/7/18</a:t>
+              <a:t>11/10/2018</a:t>
             </a:fld>
             <a:endParaRPr lang="en-US"/>
           </a:p>
@@ -2166,7 +2166,7 @@
           <a:p>
             <a:fld id="{C184796D-6D38-CA4C-9CB3-9BD6BA286C00}" type="datetime1">
               <a:rPr lang="en-US" smtClean="0"/>
-              <a:t>11/7/18</a:t>
+              <a:t>11/10/2018</a:t>
             </a:fld>
             <a:endParaRPr lang="en-US"/>
           </a:p>
@@ -2261,7 +2261,7 @@
           <a:p>
             <a:fld id="{6E3BFE13-772F-A04D-99EE-2BAA6AB1F0CD}" type="datetime1">
               <a:rPr lang="en-US" smtClean="0"/>
-              <a:t>11/7/18</a:t>
+              <a:t>11/10/2018</a:t>
             </a:fld>
             <a:endParaRPr lang="en-US"/>
           </a:p>
@@ -2538,7 +2538,7 @@
           <a:p>
             <a:fld id="{9031EE33-B261-1247-9BC0-1028BE102485}" type="datetime1">
               <a:rPr lang="en-US" smtClean="0"/>
-              <a:t>11/7/18</a:t>
+              <a:t>11/10/2018</a:t>
             </a:fld>
             <a:endParaRPr lang="en-US"/>
           </a:p>
@@ -2791,7 +2791,7 @@
           <a:p>
             <a:fld id="{09C02645-53E6-B742-AF2D-D675B1F222E5}" type="datetime1">
               <a:rPr lang="en-US" smtClean="0"/>
-              <a:t>11/7/18</a:t>
+              <a:t>11/10/2018</a:t>
             </a:fld>
             <a:endParaRPr lang="en-US"/>
           </a:p>
@@ -3004,7 +3004,7 @@
           <a:p>
             <a:fld id="{0EA0F869-55BA-7A46-983D-768275DAD4B9}" type="datetime1">
               <a:rPr lang="en-US" smtClean="0"/>
-              <a:t>11/7/18</a:t>
+              <a:t>11/10/2018</a:t>
             </a:fld>
             <a:endParaRPr lang="en-US"/>
           </a:p>
@@ -3427,7 +3427,7 @@
           <a:p>
             <a:fld id="{6B69C7D7-D25E-2946-9EB3-1418B4C8CB69}" type="datetime1">
               <a:rPr lang="en-US" smtClean="0"/>
-              <a:t>11/7/18</a:t>
+              <a:t>11/10/2018</a:t>
             </a:fld>
             <a:endParaRPr lang="en-US" dirty="0"/>
           </a:p>
@@ -3590,7 +3590,7 @@
           <a:p>
             <a:fld id="{6E3BFE13-772F-A04D-99EE-2BAA6AB1F0CD}" type="datetime1">
               <a:rPr lang="en-US" smtClean="0"/>
-              <a:t>11/10/18</a:t>
+              <a:t>11/10/2018</a:t>
             </a:fld>
             <a:endParaRPr lang="en-US"/>
           </a:p>
@@ -3716,13 +3716,46 @@
               <a:buChar char="•"/>
             </a:pPr>
             <a:r>
-              <a:rPr lang="hr-HR" dirty="0"/>
-              <a:t>TAG.48.0..NL.18.0....NH4</a:t>
-            </a:r>
-            <a:r>
               <a:rPr lang="hr-HR" dirty="0" smtClean="0"/>
-              <a:t>.</a:t>
-            </a:r>
+              <a:t>TAG</a:t>
+            </a:r>
+            <a:r>
+              <a:rPr lang="en-US" dirty="0" smtClean="0"/>
+              <a:t>(</a:t>
+            </a:r>
+            <a:r>
+              <a:rPr lang="hr-HR" dirty="0" smtClean="0"/>
+              <a:t>48</a:t>
+            </a:r>
+            <a:r>
+              <a:rPr lang="en-US" dirty="0" smtClean="0"/>
+              <a:t>:</a:t>
+            </a:r>
+            <a:r>
+              <a:rPr lang="hr-HR" dirty="0" smtClean="0"/>
+              <a:t>0</a:t>
+            </a:r>
+            <a:r>
+              <a:rPr lang="en-US" dirty="0" smtClean="0"/>
+              <a:t>) – N</a:t>
+            </a:r>
+            <a:r>
+              <a:rPr lang="hr-HR" dirty="0" smtClean="0"/>
+              <a:t>L</a:t>
+            </a:r>
+            <a:r>
+              <a:rPr lang="en-US" dirty="0" smtClean="0"/>
+              <a:t> FA(</a:t>
+            </a:r>
+            <a:r>
+              <a:rPr lang="hr-HR" dirty="0" smtClean="0"/>
+              <a:t>18</a:t>
+            </a:r>
+            <a:r>
+              <a:rPr lang="en-US" dirty="0" smtClean="0"/>
+              <a:t>:0)</a:t>
+            </a:r>
+            <a:endParaRPr lang="hr-HR" dirty="0" smtClean="0"/>
           </a:p>
           <a:p>
             <a:pPr marL="285750" indent="-285750">
@@ -3731,16 +3764,57 @@
             </a:pPr>
             <a:r>
               <a:rPr lang="hr-HR" dirty="0" smtClean="0"/>
-              <a:t>TAG.48.0</a:t>
+              <a:t>TAG</a:t>
+            </a:r>
+            <a:r>
+              <a:rPr lang="en-US" dirty="0"/>
+              <a:t>(</a:t>
+            </a:r>
+            <a:r>
+              <a:rPr lang="hr-HR" dirty="0" smtClean="0"/>
+              <a:t>48</a:t>
+            </a:r>
+            <a:r>
+              <a:rPr lang="en-US" dirty="0" smtClean="0"/>
+              <a:t>:</a:t>
+            </a:r>
+            <a:r>
+              <a:rPr lang="hr-HR" dirty="0" smtClean="0"/>
+              <a:t>0</a:t>
+            </a:r>
+            <a:r>
+              <a:rPr lang="en-US" dirty="0"/>
+              <a:t>) – N</a:t>
             </a:r>
             <a:r>
               <a:rPr lang="hr-HR" dirty="0"/>
-              <a:t>..NL.16.0....</a:t>
+              <a:t>L</a:t>
+            </a:r>
+            <a:r>
+              <a:rPr lang="en-US" dirty="0"/>
+              <a:t> </a:t>
+            </a:r>
+            <a:r>
+              <a:rPr lang="en-US" dirty="0" smtClean="0"/>
+              <a:t>FA(</a:t>
             </a:r>
             <a:r>
               <a:rPr lang="hr-HR" dirty="0" smtClean="0"/>
-              <a:t>NH4.</a:t>
-            </a:r>
+              <a:t>16</a:t>
+            </a:r>
+            <a:r>
+              <a:rPr lang="en-US" dirty="0" smtClean="0"/>
+              <a:t>:</a:t>
+            </a:r>
+            <a:r>
+              <a:rPr lang="hr-HR" dirty="0" smtClean="0"/>
+              <a:t>0</a:t>
+            </a:r>
+            <a:r>
+              <a:rPr lang="en-US" dirty="0" smtClean="0"/>
+              <a:t>)</a:t>
+            </a:r>
+            <a:endParaRPr lang="hr-HR" dirty="0" smtClean="0"/>
           </a:p>
           <a:p>
             <a:pPr marL="285750" indent="-285750">
@@ -3748,12 +3822,12 @@
               <a:buChar char="•"/>
             </a:pPr>
             <a:r>
-              <a:rPr lang="hr-HR" dirty="0"/>
-              <a:t>DAG.36.2..NL.18.1.18.1..NH4</a:t>
-            </a:r>
-            <a:r>
               <a:rPr lang="hr-HR" dirty="0" smtClean="0"/>
-              <a:t>.</a:t>
+              <a:t>DAG</a:t>
+            </a:r>
+            <a:r>
+              <a:rPr lang="en-US" dirty="0" smtClean="0"/>
+              <a:t>(18:1_18:1)</a:t>
             </a:r>
             <a:endParaRPr lang="hr-HR" dirty="0"/>
           </a:p>
@@ -3763,8 +3837,56 @@
               <a:buChar char="•"/>
             </a:pPr>
             <a:r>
-              <a:rPr lang="hr-HR" dirty="0"/>
-              <a:t>TAG.52.4..NL.20.4....NH4. </a:t>
+              <a:rPr lang="hr-HR" dirty="0" smtClean="0"/>
+              <a:t>TAG</a:t>
+            </a:r>
+            <a:r>
+              <a:rPr lang="en-US" dirty="0" smtClean="0"/>
+              <a:t>(</a:t>
+            </a:r>
+            <a:r>
+              <a:rPr lang="hr-HR" dirty="0" smtClean="0"/>
+              <a:t>52</a:t>
+            </a:r>
+            <a:r>
+              <a:rPr lang="en-US" dirty="0" smtClean="0"/>
+              <a:t>:</a:t>
+            </a:r>
+            <a:r>
+              <a:rPr lang="hr-HR" dirty="0" smtClean="0"/>
+              <a:t>4</a:t>
+            </a:r>
+            <a:r>
+              <a:rPr lang="en-US" dirty="0" smtClean="0"/>
+              <a:t>) – </a:t>
+            </a:r>
+            <a:r>
+              <a:rPr lang="hr-HR" dirty="0" smtClean="0"/>
+              <a:t>NL</a:t>
+            </a:r>
+            <a:r>
+              <a:rPr lang="en-US" dirty="0" smtClean="0"/>
+              <a:t> FA(</a:t>
+            </a:r>
+            <a:r>
+              <a:rPr lang="hr-HR" dirty="0" smtClean="0"/>
+              <a:t>20</a:t>
+            </a:r>
+            <a:r>
+              <a:rPr lang="en-US" dirty="0" smtClean="0"/>
+              <a:t>:</a:t>
+            </a:r>
+            <a:r>
+              <a:rPr lang="hr-HR" dirty="0" smtClean="0"/>
+              <a:t>4</a:t>
+            </a:r>
+            <a:r>
+              <a:rPr lang="en-US" dirty="0" smtClean="0"/>
+              <a:t>)</a:t>
+            </a:r>
+            <a:r>
+              <a:rPr lang="hr-HR" dirty="0" smtClean="0"/>
+              <a:t> </a:t>
             </a:r>
             <a:endParaRPr lang="hr-HR" dirty="0"/>
           </a:p>
@@ -3774,8 +3896,60 @@
               <a:buChar char="•"/>
             </a:pPr>
             <a:r>
+              <a:rPr lang="hr-HR" dirty="0" smtClean="0"/>
+              <a:t>TAG</a:t>
+            </a:r>
+            <a:r>
+              <a:rPr lang="en-US" dirty="0" smtClean="0"/>
+              <a:t>(</a:t>
+            </a:r>
+            <a:r>
+              <a:rPr lang="hr-HR" dirty="0" smtClean="0"/>
+              <a:t>54</a:t>
+            </a:r>
+            <a:r>
+              <a:rPr lang="en-US" dirty="0" smtClean="0"/>
+              <a:t>:</a:t>
+            </a:r>
+            <a:r>
+              <a:rPr lang="hr-HR" dirty="0" smtClean="0"/>
+              <a:t>4</a:t>
+            </a:r>
+            <a:r>
+              <a:rPr lang="en-US" dirty="0"/>
+              <a:t>) – </a:t>
+            </a:r>
+            <a:r>
               <a:rPr lang="hr-HR" dirty="0"/>
-              <a:t>TAG.54.4..NL.22.4....NH4. </a:t>
+              <a:t>NL</a:t>
+            </a:r>
+            <a:r>
+              <a:rPr lang="en-US" dirty="0"/>
+              <a:t> </a:t>
+            </a:r>
+            <a:r>
+              <a:rPr lang="en-US" dirty="0" smtClean="0"/>
+              <a:t>FA(</a:t>
+            </a:r>
+            <a:r>
+              <a:rPr lang="hr-HR" dirty="0" smtClean="0"/>
+              <a:t>22</a:t>
+            </a:r>
+            <a:r>
+              <a:rPr lang="en-US" dirty="0" smtClean="0"/>
+              <a:t>:</a:t>
+            </a:r>
+            <a:r>
+              <a:rPr lang="hr-HR" dirty="0" smtClean="0"/>
+              <a:t>4</a:t>
+            </a:r>
+            <a:r>
+              <a:rPr lang="en-US" dirty="0" smtClean="0"/>
+              <a:t>)</a:t>
+            </a:r>
+            <a:r>
+              <a:rPr lang="hr-HR" dirty="0" smtClean="0"/>
+              <a:t> </a:t>
             </a:r>
             <a:endParaRPr lang="hr-HR" dirty="0"/>
           </a:p>
@@ -3785,8 +3959,16 @@
               <a:buChar char="•"/>
             </a:pPr>
             <a:r>
-              <a:rPr lang="hr-HR" dirty="0"/>
-              <a:t>DAG.36.3..NL.18.2.18.1..NH4. </a:t>
+              <a:rPr lang="hr-HR" dirty="0" smtClean="0"/>
+              <a:t>DAG</a:t>
+            </a:r>
+            <a:r>
+              <a:rPr lang="en-US" dirty="0" smtClean="0"/>
+              <a:t>(18:2_18:1)</a:t>
+            </a:r>
+            <a:r>
+              <a:rPr lang="hr-HR" dirty="0" smtClean="0"/>
+              <a:t> </a:t>
             </a:r>
             <a:endParaRPr lang="hr-HR" dirty="0"/>
           </a:p>
@@ -3796,8 +3978,8 @@
               <a:buChar char="•"/>
             </a:pPr>
             <a:r>
-              <a:rPr lang="nb-NO" dirty="0"/>
-              <a:t>PC.33.1.....H..or.PC.34.0..P....H..or.PC.34.1..O....H. </a:t>
+              <a:rPr lang="nb-NO" dirty="0" smtClean="0"/>
+              <a:t>PC(33:1) or PC(P-34:0) or PC(0-34:1) </a:t>
             </a:r>
             <a:endParaRPr lang="nb-NO" dirty="0"/>
           </a:p>
@@ -3807,8 +3989,8 @@
               <a:buChar char="•"/>
             </a:pPr>
             <a:r>
-              <a:rPr lang="nb-NO" dirty="0"/>
-              <a:t>Cer.41.1..d18.1.23.0..H. </a:t>
+              <a:rPr lang="nb-NO" dirty="0" smtClean="0"/>
+              <a:t>Cer(15:0/18:1{d8}) </a:t>
             </a:r>
             <a:endParaRPr lang="nb-NO" dirty="0"/>
           </a:p>
@@ -3818,8 +4000,60 @@
               <a:buChar char="•"/>
             </a:pPr>
             <a:r>
+              <a:rPr lang="hr-HR" dirty="0" smtClean="0"/>
+              <a:t>TAG</a:t>
+            </a:r>
+            <a:r>
+              <a:rPr lang="en-US" dirty="0" smtClean="0"/>
+              <a:t>(</a:t>
+            </a:r>
+            <a:r>
+              <a:rPr lang="hr-HR" dirty="0" smtClean="0"/>
+              <a:t>50</a:t>
+            </a:r>
+            <a:r>
+              <a:rPr lang="en-US" dirty="0" smtClean="0"/>
+              <a:t>:</a:t>
+            </a:r>
+            <a:r>
+              <a:rPr lang="hr-HR" dirty="0" smtClean="0"/>
+              <a:t>4</a:t>
+            </a:r>
+            <a:r>
+              <a:rPr lang="en-US" dirty="0"/>
+              <a:t>) – </a:t>
+            </a:r>
+            <a:r>
               <a:rPr lang="hr-HR" dirty="0"/>
-              <a:t>TAG.50.4..NL.16.1....NH4. </a:t>
+              <a:t>NL</a:t>
+            </a:r>
+            <a:r>
+              <a:rPr lang="en-US" dirty="0"/>
+              <a:t> </a:t>
+            </a:r>
+            <a:r>
+              <a:rPr lang="en-US" dirty="0" smtClean="0"/>
+              <a:t>FA(</a:t>
+            </a:r>
+            <a:r>
+              <a:rPr lang="hr-HR" dirty="0" smtClean="0"/>
+              <a:t>16</a:t>
+            </a:r>
+            <a:r>
+              <a:rPr lang="en-US" dirty="0" smtClean="0"/>
+              <a:t>:</a:t>
+            </a:r>
+            <a:r>
+              <a:rPr lang="hr-HR" dirty="0" smtClean="0"/>
+              <a:t>1</a:t>
+            </a:r>
+            <a:r>
+              <a:rPr lang="en-US" dirty="0" smtClean="0"/>
+              <a:t>)</a:t>
+            </a:r>
+            <a:r>
+              <a:rPr lang="hr-HR" dirty="0" smtClean="0"/>
+              <a:t> </a:t>
             </a:r>
             <a:endParaRPr lang="hr-HR" dirty="0"/>
           </a:p>
@@ -3834,7 +4068,7 @@
         <p:spPr>
           <a:xfrm>
             <a:off x="1130300" y="4244221"/>
-            <a:ext cx="5270500" cy="1754326"/>
+            <a:ext cx="3981631" cy="1754326"/>
           </a:xfrm>
           <a:prstGeom prst="rect">
             <a:avLst/>
@@ -3849,8 +4083,13 @@
           <a:p>
             <a:r>
               <a:rPr lang="en-US" b="1" u="sng" dirty="0" smtClean="0"/>
-              <a:t>Top unknown lipid signal:</a:t>
-            </a:r>
+              <a:t>Top unknown lipid </a:t>
+            </a:r>
+            <a:r>
+              <a:rPr lang="en-US" b="1" u="sng" dirty="0" smtClean="0"/>
+              <a:t>signal (mass pairs):</a:t>
+            </a:r>
+            <a:endParaRPr lang="en-US" b="1" u="sng" dirty="0" smtClean="0"/>
           </a:p>
           <a:p>
             <a:pPr marL="285750" indent="-285750">
@@ -3859,8 +4098,9 @@
             </a:pPr>
             <a:r>
               <a:rPr lang="nb-NO" dirty="0" smtClean="0"/>
-              <a:t>u729.58_570.4902</a:t>
-            </a:r>
+              <a:t>U1 (729.58/570.49)</a:t>
+            </a:r>
+            <a:endParaRPr lang="nb-NO" dirty="0" smtClean="0"/>
           </a:p>
           <a:p>
             <a:pPr marL="285750" indent="-285750">
@@ -3869,8 +4109,9 @@
             </a:pPr>
             <a:r>
               <a:rPr lang="nb-NO" dirty="0" smtClean="0"/>
-              <a:t>u877.73_604.4830</a:t>
-            </a:r>
+              <a:t>U2 (877.73/604.48)</a:t>
+            </a:r>
+            <a:endParaRPr lang="nb-NO" dirty="0" smtClean="0"/>
           </a:p>
           <a:p>
             <a:pPr marL="285750" indent="-285750">
@@ -3879,7 +4120,11 @@
             </a:pPr>
             <a:r>
               <a:rPr lang="nb-NO" dirty="0" smtClean="0"/>
-              <a:t>u877.73_578.4698</a:t>
+              <a:t>U3 (</a:t>
+            </a:r>
+            <a:r>
+              <a:rPr lang="nb-NO" dirty="0" smtClean="0"/>
+              <a:t>877.73/578.46)</a:t>
             </a:r>
             <a:endParaRPr lang="nb-NO" dirty="0"/>
           </a:p>
@@ -3890,8 +4135,13 @@
             </a:pPr>
             <a:r>
               <a:rPr lang="nb-NO" dirty="0" smtClean="0"/>
-              <a:t>u667.52_164.1375</a:t>
-            </a:r>
+              <a:t>U4 (</a:t>
+            </a:r>
+            <a:r>
+              <a:rPr lang="nb-NO" dirty="0" smtClean="0"/>
+              <a:t>667.52/164.13)</a:t>
+            </a:r>
+            <a:endParaRPr lang="nb-NO" dirty="0" smtClean="0"/>
           </a:p>
           <a:p>
             <a:pPr marL="285750" indent="-285750">
@@ -3900,7 +4150,7 @@
             </a:pPr>
             <a:r>
               <a:rPr lang="is-IS" dirty="0" smtClean="0"/>
-              <a:t>u844.70_261.1963</a:t>
+              <a:t>U5 (844.70/261.19)</a:t>
             </a:r>
             <a:endParaRPr lang="is-IS" dirty="0"/>
           </a:p>
@@ -3953,7 +4203,7 @@
           <a:p>
             <a:fld id="{6E3BFE13-772F-A04D-99EE-2BAA6AB1F0CD}" type="datetime1">
               <a:rPr lang="en-US" smtClean="0"/>
-              <a:t>11/10/18</a:t>
+              <a:t>11/10/2018</a:t>
             </a:fld>
             <a:endParaRPr lang="en-US"/>
           </a:p>
@@ -4046,6 +4296,70 @@
           </a:p>
         </p:txBody>
       </p:sp>
+      <p:sp>
+        <p:nvSpPr>
+          <p:cNvPr id="6" name="TextBox 5"/>
+          <p:cNvSpPr txBox="1"/>
+          <p:nvPr/>
+        </p:nvSpPr>
+        <p:spPr>
+          <a:xfrm>
+            <a:off x="4864463" y="5725636"/>
+            <a:ext cx="2485571" cy="369332"/>
+          </a:xfrm>
+          <a:prstGeom prst="rect">
+            <a:avLst/>
+          </a:prstGeom>
+          <a:solidFill>
+            <a:schemeClr val="bg1"/>
+          </a:solidFill>
+        </p:spPr>
+        <p:txBody>
+          <a:bodyPr wrap="square" rtlCol="0">
+            <a:spAutoFit/>
+          </a:bodyPr>
+          <a:lstStyle/>
+          <a:p>
+            <a:r>
+              <a:rPr lang="en-US" dirty="0" smtClean="0"/>
+              <a:t>TAG(48:0) – NL FA(18:0)</a:t>
+            </a:r>
+            <a:endParaRPr lang="en-US" dirty="0"/>
+          </a:p>
+        </p:txBody>
+      </p:sp>
+      <p:sp>
+        <p:nvSpPr>
+          <p:cNvPr id="7" name="TextBox 6"/>
+          <p:cNvSpPr txBox="1"/>
+          <p:nvPr/>
+        </p:nvSpPr>
+        <p:spPr>
+          <a:xfrm rot="16200000">
+            <a:off x="1341121" y="3422220"/>
+            <a:ext cx="2485571" cy="369332"/>
+          </a:xfrm>
+          <a:prstGeom prst="rect">
+            <a:avLst/>
+          </a:prstGeom>
+          <a:solidFill>
+            <a:schemeClr val="bg1"/>
+          </a:solidFill>
+        </p:spPr>
+        <p:txBody>
+          <a:bodyPr wrap="square" rtlCol="0">
+            <a:spAutoFit/>
+          </a:bodyPr>
+          <a:lstStyle/>
+          <a:p>
+            <a:r>
+              <a:rPr lang="en-US" dirty="0" smtClean="0"/>
+              <a:t>TAG(48:0) – NL FA(16:0)</a:t>
+            </a:r>
+            <a:endParaRPr lang="en-US" dirty="0"/>
+          </a:p>
+        </p:txBody>
+      </p:sp>
     </p:spTree>
     <p:extLst>
       <p:ext uri="{BB962C8B-B14F-4D97-AF65-F5344CB8AC3E}">
@@ -4093,7 +4407,7 @@
           <a:p>
             <a:fld id="{6E3BFE13-772F-A04D-99EE-2BAA6AB1F0CD}" type="datetime1">
               <a:rPr lang="en-US" smtClean="0"/>
-              <a:t>11/10/18</a:t>
+              <a:t>11/10/2018</a:t>
             </a:fld>
             <a:endParaRPr lang="en-US"/>
           </a:p>
@@ -4229,7 +4543,7 @@
         <p:spPr>
           <a:xfrm>
             <a:off x="7569200" y="1866900"/>
-            <a:ext cx="3632200" cy="3416320"/>
+            <a:ext cx="3632200" cy="3139321"/>
           </a:xfrm>
           <a:prstGeom prst="rect">
             <a:avLst/>
@@ -4247,21 +4561,68 @@
               <a:buChar char="•"/>
             </a:pPr>
             <a:r>
-              <a:rPr lang="mr-IN" sz="2400" dirty="0"/>
-              <a:t>TAG.48.0..NL.18.0....</a:t>
-            </a:r>
-            <a:r>
-              <a:rPr lang="mr-IN" sz="2400" dirty="0" smtClean="0"/>
-              <a:t>NH4.</a:t>
-            </a:r>
-            <a:endParaRPr lang="en-US" sz="2400" dirty="0" smtClean="0"/>
+              <a:rPr lang="mr-IN" sz="2200" dirty="0" smtClean="0"/>
+              <a:t>TAG</a:t>
+            </a:r>
+            <a:r>
+              <a:rPr lang="en-US" sz="2200" dirty="0" smtClean="0"/>
+              <a:t>(</a:t>
+            </a:r>
+            <a:r>
+              <a:rPr lang="mr-IN" sz="2200" dirty="0" smtClean="0"/>
+              <a:t>48</a:t>
+            </a:r>
+            <a:r>
+              <a:rPr lang="en-US" sz="2200" dirty="0" smtClean="0"/>
+              <a:t>:</a:t>
+            </a:r>
+            <a:r>
+              <a:rPr lang="mr-IN" sz="2200" dirty="0" smtClean="0"/>
+              <a:t>0</a:t>
+            </a:r>
+            <a:r>
+              <a:rPr lang="en-US" sz="2200" dirty="0" smtClean="0"/>
+              <a:t>)</a:t>
+            </a:r>
+            <a:r>
+              <a:rPr lang="en-US" sz="2200" dirty="0"/>
+              <a:t> </a:t>
+            </a:r>
+            <a:r>
+              <a:rPr lang="en-US" sz="2200" dirty="0" smtClean="0"/>
+              <a:t>– </a:t>
+            </a:r>
+            <a:r>
+              <a:rPr lang="mr-IN" sz="2200" dirty="0" smtClean="0"/>
+              <a:t>NL</a:t>
+            </a:r>
+            <a:r>
+              <a:rPr lang="en-US" sz="2200" dirty="0" smtClean="0"/>
+              <a:t> FA(</a:t>
+            </a:r>
+            <a:r>
+              <a:rPr lang="mr-IN" sz="2200" dirty="0" smtClean="0"/>
+              <a:t>18</a:t>
+            </a:r>
+            <a:r>
+              <a:rPr lang="en-US" sz="2200" dirty="0" smtClean="0"/>
+              <a:t>:</a:t>
+            </a:r>
+            <a:r>
+              <a:rPr lang="mr-IN" sz="2200" dirty="0" smtClean="0"/>
+              <a:t>0</a:t>
+            </a:r>
+            <a:r>
+              <a:rPr lang="en-US" sz="2200" dirty="0" smtClean="0"/>
+              <a:t>)</a:t>
+            </a:r>
           </a:p>
           <a:p>
             <a:pPr marL="285750" indent="-285750">
               <a:buFont typeface="Arial" charset="0"/>
               <a:buChar char="•"/>
             </a:pPr>
-            <a:endParaRPr lang="en-US" sz="2400" dirty="0" smtClean="0"/>
+            <a:endParaRPr lang="en-US" sz="2200" dirty="0" smtClean="0"/>
           </a:p>
           <a:p>
             <a:pPr marL="285750" indent="-285750">
@@ -4269,25 +4630,64 @@
               <a:buChar char="•"/>
             </a:pPr>
             <a:r>
-              <a:rPr lang="mr-IN" sz="2400" dirty="0" smtClean="0"/>
-              <a:t>TAG.56.8</a:t>
-            </a:r>
-            <a:r>
-              <a:rPr lang="mr-IN" sz="2400" dirty="0"/>
-              <a:t>..NL.22.6....</a:t>
-            </a:r>
-            <a:r>
-              <a:rPr lang="mr-IN" sz="2400" dirty="0" smtClean="0"/>
-              <a:t>NH4.</a:t>
-            </a:r>
-            <a:endParaRPr lang="en-US" sz="2400" dirty="0" smtClean="0"/>
+              <a:rPr lang="mr-IN" sz="2200" dirty="0" smtClean="0"/>
+              <a:t>TAG</a:t>
+            </a:r>
+            <a:r>
+              <a:rPr lang="en-US" sz="2200" dirty="0" smtClean="0"/>
+              <a:t>(</a:t>
+            </a:r>
+            <a:r>
+              <a:rPr lang="mr-IN" sz="2200" dirty="0" smtClean="0"/>
+              <a:t>56</a:t>
+            </a:r>
+            <a:r>
+              <a:rPr lang="en-US" sz="2200" dirty="0" smtClean="0"/>
+              <a:t>:</a:t>
+            </a:r>
+            <a:r>
+              <a:rPr lang="mr-IN" sz="2200" dirty="0" smtClean="0"/>
+              <a:t>8</a:t>
+            </a:r>
+            <a:r>
+              <a:rPr lang="en-US" sz="2200" dirty="0"/>
+              <a:t>) – </a:t>
+            </a:r>
+            <a:r>
+              <a:rPr lang="mr-IN" sz="2200" dirty="0"/>
+              <a:t>NL</a:t>
+            </a:r>
+            <a:r>
+              <a:rPr lang="en-US" sz="2200" dirty="0"/>
+              <a:t> </a:t>
+            </a:r>
+            <a:r>
+              <a:rPr lang="en-US" sz="2200" dirty="0" smtClean="0"/>
+              <a:t>FA (</a:t>
+            </a:r>
+            <a:r>
+              <a:rPr lang="mr-IN" sz="2200" dirty="0" smtClean="0"/>
+              <a:t>22</a:t>
+            </a:r>
+            <a:r>
+              <a:rPr lang="en-US" sz="2200" dirty="0" smtClean="0"/>
+              <a:t>:</a:t>
+            </a:r>
+            <a:r>
+              <a:rPr lang="mr-IN" sz="2200" dirty="0"/>
+              <a:t>6</a:t>
+            </a:r>
+            <a:r>
+              <a:rPr lang="en-US" sz="2200" dirty="0" smtClean="0"/>
+              <a:t>)</a:t>
+            </a:r>
           </a:p>
           <a:p>
             <a:pPr marL="285750" indent="-285750">
               <a:buFont typeface="Arial" charset="0"/>
               <a:buChar char="•"/>
             </a:pPr>
-            <a:endParaRPr lang="en-US" sz="2400" dirty="0" smtClean="0"/>
+            <a:endParaRPr lang="en-US" sz="2200" dirty="0" smtClean="0"/>
           </a:p>
           <a:p>
             <a:pPr marL="285750" indent="-285750">
@@ -4295,17 +4695,33 @@
               <a:buChar char="•"/>
             </a:pPr>
             <a:r>
-              <a:rPr lang="mr-IN" sz="2400" dirty="0" smtClean="0"/>
-              <a:t>u680.53_551.2772</a:t>
-            </a:r>
-            <a:endParaRPr lang="en-US" sz="2400" dirty="0" smtClean="0"/>
+              <a:rPr lang="en-US" sz="2200" dirty="0" smtClean="0"/>
+              <a:t>Unknown (</a:t>
+            </a:r>
+            <a:r>
+              <a:rPr lang="mr-IN" sz="2200" dirty="0" smtClean="0"/>
+              <a:t>680.53</a:t>
+            </a:r>
+            <a:r>
+              <a:rPr lang="en-US" sz="2200" dirty="0" smtClean="0"/>
+              <a:t>/</a:t>
+            </a:r>
+            <a:r>
+              <a:rPr lang="mr-IN" sz="2200" dirty="0" smtClean="0"/>
+              <a:t>551.27</a:t>
+            </a:r>
+            <a:r>
+              <a:rPr lang="en-US" sz="2200" dirty="0" smtClean="0"/>
+              <a:t>)</a:t>
+            </a:r>
+            <a:endParaRPr lang="en-US" sz="2200" dirty="0" smtClean="0"/>
           </a:p>
           <a:p>
             <a:pPr marL="285750" indent="-285750">
               <a:buFont typeface="Arial" charset="0"/>
               <a:buChar char="•"/>
             </a:pPr>
-            <a:endParaRPr lang="en-US" sz="2400" dirty="0" smtClean="0"/>
+            <a:endParaRPr lang="en-US" sz="2200" dirty="0" smtClean="0"/>
           </a:p>
           <a:p>
             <a:pPr marL="285750" indent="-285750">
@@ -4313,17 +4729,33 @@
               <a:buChar char="•"/>
             </a:pPr>
             <a:r>
-              <a:rPr lang="mr-IN" sz="2400" dirty="0" smtClean="0"/>
-              <a:t>u828.68_523.4207</a:t>
-            </a:r>
-            <a:endParaRPr lang="en-US" sz="2400" dirty="0" smtClean="0"/>
+              <a:rPr lang="en-US" sz="2200" dirty="0" smtClean="0"/>
+              <a:t>Unknown (</a:t>
+            </a:r>
+            <a:r>
+              <a:rPr lang="mr-IN" sz="2200" dirty="0" smtClean="0"/>
+              <a:t>828.68</a:t>
+            </a:r>
+            <a:r>
+              <a:rPr lang="en-US" sz="2200" dirty="0" smtClean="0"/>
+              <a:t>/</a:t>
+            </a:r>
+            <a:r>
+              <a:rPr lang="mr-IN" sz="2200" dirty="0" smtClean="0"/>
+              <a:t>523.42</a:t>
+            </a:r>
+            <a:r>
+              <a:rPr lang="en-US" sz="2200" dirty="0" smtClean="0"/>
+              <a:t>)</a:t>
+            </a:r>
+            <a:endParaRPr lang="en-US" sz="2200" dirty="0" smtClean="0"/>
           </a:p>
           <a:p>
             <a:pPr marL="285750" indent="-285750">
               <a:buFont typeface="Arial" charset="0"/>
               <a:buChar char="•"/>
             </a:pPr>
-            <a:endParaRPr lang="en-US" sz="2400" dirty="0" smtClean="0"/>
+            <a:endParaRPr lang="en-US" sz="2200" dirty="0" smtClean="0"/>
           </a:p>
           <a:p>
             <a:pPr marL="285750" indent="-285750">
@@ -4331,10 +4763,26 @@
               <a:buChar char="•"/>
             </a:pPr>
             <a:r>
-              <a:rPr lang="mr-IN" sz="2400" dirty="0" smtClean="0"/>
-              <a:t>u902.75_339.2559</a:t>
-            </a:r>
-            <a:endParaRPr lang="en-US" sz="2400" dirty="0"/>
+              <a:rPr lang="en-US" sz="2200" dirty="0" smtClean="0"/>
+              <a:t>Unknown (</a:t>
+            </a:r>
+            <a:r>
+              <a:rPr lang="mr-IN" sz="2200" dirty="0" smtClean="0"/>
+              <a:t>902.75</a:t>
+            </a:r>
+            <a:r>
+              <a:rPr lang="en-US" sz="2200" dirty="0" smtClean="0"/>
+              <a:t>/</a:t>
+            </a:r>
+            <a:r>
+              <a:rPr lang="mr-IN" sz="2200" dirty="0" smtClean="0"/>
+              <a:t>339.25</a:t>
+            </a:r>
+            <a:r>
+              <a:rPr lang="en-US" sz="2200" dirty="0" smtClean="0"/>
+              <a:t>)</a:t>
+            </a:r>
+            <a:endParaRPr lang="en-US" sz="2200" dirty="0"/>
           </a:p>
         </p:txBody>
       </p:sp>
